--- a/ML2 -TP02/NFL Big Data Bowl.pptx
+++ b/ML2 -TP02/NFL Big Data Bowl.pptx
@@ -5,7 +5,7 @@
     <p:sldMasterId id="2147483668" r:id="rId1"/>
   </p:sldMasterIdLst>
   <p:notesMasterIdLst>
-    <p:notesMasterId r:id="rId11"/>
+    <p:notesMasterId r:id="rId12"/>
   </p:notesMasterIdLst>
   <p:sldIdLst>
     <p:sldId id="256" r:id="rId2"/>
@@ -17,21 +17,22 @@
     <p:sldId id="262" r:id="rId8"/>
     <p:sldId id="263" r:id="rId9"/>
     <p:sldId id="264" r:id="rId10"/>
+    <p:sldId id="265" r:id="rId11"/>
   </p:sldIdLst>
   <p:sldSz cx="12192000" cy="6858000"/>
   <p:notesSz cx="13716000" cy="24384000"/>
   <p:embeddedFontLst>
     <p:embeddedFont>
       <p:font typeface="Arial Black" panose="020B0A04020102020204" pitchFamily="34" charset="0"/>
-      <p:regular r:id="rId12"/>
-      <p:bold r:id="rId13"/>
+      <p:regular r:id="rId13"/>
+      <p:bold r:id="rId14"/>
     </p:embeddedFont>
     <p:embeddedFont>
       <p:font typeface="EB Garamond" panose="00000500000000000000" pitchFamily="2" charset="0"/>
-      <p:regular r:id="rId14"/>
-      <p:bold r:id="rId15"/>
-      <p:italic r:id="rId16"/>
-      <p:boldItalic r:id="rId17"/>
+      <p:regular r:id="rId15"/>
+      <p:bold r:id="rId16"/>
+      <p:italic r:id="rId17"/>
+      <p:boldItalic r:id="rId18"/>
     </p:embeddedFont>
   </p:embeddedFontLst>
   <p:defaultTextStyle>
@@ -941,6 +942,110 @@
             </a:pathLst>
           </a:custGeom>
         </p:spPr>
+      </p:sp>
+    </p:spTree>
+  </p:cSld>
+  <p:clrMapOvr>
+    <a:masterClrMapping/>
+  </p:clrMapOvr>
+</p:notes>
+</file>
+
+<file path=ppt/notesSlides/notesSlide10.xml><?xml version="1.0" encoding="utf-8"?>
+<p:notes xmlns:a="http://schemas.openxmlformats.org/drawingml/2006/main" xmlns:r="http://schemas.openxmlformats.org/officeDocument/2006/relationships" xmlns:p="http://schemas.openxmlformats.org/presentationml/2006/main" showMasterSp="0" showMasterPhAnim="0">
+  <p:cSld>
+    <p:spTree>
+      <p:nvGrpSpPr>
+        <p:cNvPr id="1" name="Shape 311"/>
+        <p:cNvGrpSpPr/>
+        <p:nvPr/>
+      </p:nvGrpSpPr>
+      <p:grpSpPr>
+        <a:xfrm>
+          <a:off x="0" y="0"/>
+          <a:ext cx="0" cy="0"/>
+          <a:chOff x="0" y="0"/>
+          <a:chExt cx="0" cy="0"/>
+        </a:xfrm>
+      </p:grpSpPr>
+      <p:sp>
+        <p:nvSpPr>
+          <p:cNvPr id="312" name="Google Shape;312;g237399789c6_0_0:notes"/>
+          <p:cNvSpPr>
+            <a:spLocks noGrp="1" noRot="1" noChangeAspect="1"/>
+          </p:cNvSpPr>
+          <p:nvPr>
+            <p:ph type="sldImg" idx="2"/>
+          </p:nvPr>
+        </p:nvSpPr>
+        <p:spPr>
+          <a:xfrm>
+            <a:off x="2286450" y="1828800"/>
+            <a:ext cx="9144600" cy="9144000"/>
+          </a:xfrm>
+          <a:custGeom>
+            <a:avLst/>
+            <a:gdLst/>
+            <a:ahLst/>
+            <a:cxnLst/>
+            <a:rect l="l" t="t" r="r" b="b"/>
+            <a:pathLst>
+              <a:path w="120000" h="120000" extrusionOk="0">
+                <a:moveTo>
+                  <a:pt x="0" y="0"/>
+                </a:moveTo>
+                <a:lnTo>
+                  <a:pt x="120000" y="0"/>
+                </a:lnTo>
+                <a:lnTo>
+                  <a:pt x="120000" y="120000"/>
+                </a:lnTo>
+                <a:lnTo>
+                  <a:pt x="0" y="120000"/>
+                </a:lnTo>
+                <a:close/>
+              </a:path>
+            </a:pathLst>
+          </a:custGeom>
+        </p:spPr>
+      </p:sp>
+      <p:sp>
+        <p:nvSpPr>
+          <p:cNvPr id="313" name="Google Shape;313;g237399789c6_0_0:notes"/>
+          <p:cNvSpPr txBox="1">
+            <a:spLocks noGrp="1"/>
+          </p:cNvSpPr>
+          <p:nvPr>
+            <p:ph type="body" idx="1"/>
+          </p:nvPr>
+        </p:nvSpPr>
+        <p:spPr>
+          <a:xfrm>
+            <a:off x="1371600" y="11582400"/>
+            <a:ext cx="10972800" cy="10972800"/>
+          </a:xfrm>
+          <a:prstGeom prst="rect">
+            <a:avLst/>
+          </a:prstGeom>
+        </p:spPr>
+        <p:txBody>
+          <a:bodyPr spcFirstLastPara="1" wrap="square" lIns="91425" tIns="91425" rIns="91425" bIns="91425" anchor="t" anchorCtr="0">
+            <a:noAutofit/>
+          </a:bodyPr>
+          <a:lstStyle/>
+          <a:p>
+            <a:pPr marL="0" lvl="0" indent="0" algn="l" rtl="0">
+              <a:spcBef>
+                <a:spcPts val="0"/>
+              </a:spcBef>
+              <a:spcAft>
+                <a:spcPts val="0"/>
+              </a:spcAft>
+              <a:buNone/>
+            </a:pPr>
+            <a:endParaRPr/>
+          </a:p>
+        </p:txBody>
       </p:sp>
     </p:spTree>
   </p:cSld>
@@ -32351,6 +32456,285 @@
 </p:sld>
 </file>
 
+<file path=ppt/slides/slide10.xml><?xml version="1.0" encoding="utf-8"?>
+<p:sld xmlns:a="http://schemas.openxmlformats.org/drawingml/2006/main" xmlns:r="http://schemas.openxmlformats.org/officeDocument/2006/relationships" xmlns:p="http://schemas.openxmlformats.org/presentationml/2006/main">
+  <p:cSld>
+    <p:spTree>
+      <p:nvGrpSpPr>
+        <p:cNvPr id="1" name="Shape 314"/>
+        <p:cNvGrpSpPr/>
+        <p:nvPr/>
+      </p:nvGrpSpPr>
+      <p:grpSpPr>
+        <a:xfrm>
+          <a:off x="0" y="0"/>
+          <a:ext cx="0" cy="0"/>
+          <a:chOff x="0" y="0"/>
+          <a:chExt cx="0" cy="0"/>
+        </a:xfrm>
+      </p:grpSpPr>
+      <p:sp>
+        <p:nvSpPr>
+          <p:cNvPr id="315" name="Google Shape;315;p31"/>
+          <p:cNvSpPr txBox="1">
+            <a:spLocks noGrp="1"/>
+          </p:cNvSpPr>
+          <p:nvPr>
+            <p:ph type="title"/>
+          </p:nvPr>
+        </p:nvSpPr>
+        <p:spPr>
+          <a:xfrm>
+            <a:off x="3986784" y="1243584"/>
+            <a:ext cx="8165700" cy="768000"/>
+          </a:xfrm>
+          <a:prstGeom prst="rect">
+            <a:avLst/>
+          </a:prstGeom>
+        </p:spPr>
+        <p:txBody>
+          <a:bodyPr spcFirstLastPara="1" wrap="square" lIns="91425" tIns="45700" rIns="91425" bIns="45700" anchor="t" anchorCtr="0">
+            <a:noAutofit/>
+          </a:bodyPr>
+          <a:lstStyle/>
+          <a:p>
+            <a:pPr marL="0" lvl="0" indent="0" algn="l" rtl="0">
+              <a:spcBef>
+                <a:spcPts val="0"/>
+              </a:spcBef>
+              <a:spcAft>
+                <a:spcPts val="0"/>
+              </a:spcAft>
+              <a:buNone/>
+            </a:pPr>
+            <a:r>
+              <a:rPr lang="en-US"/>
+              <a:t>Resources </a:t>
+            </a:r>
+            <a:endParaRPr/>
+          </a:p>
+        </p:txBody>
+      </p:sp>
+      <p:sp>
+        <p:nvSpPr>
+          <p:cNvPr id="316" name="Google Shape;316;p31"/>
+          <p:cNvSpPr txBox="1">
+            <a:spLocks noGrp="1"/>
+          </p:cNvSpPr>
+          <p:nvPr>
+            <p:ph type="body" idx="1"/>
+          </p:nvPr>
+        </p:nvSpPr>
+        <p:spPr>
+          <a:xfrm>
+            <a:off x="3685018" y="2255525"/>
+            <a:ext cx="7287900" cy="4306500"/>
+          </a:xfrm>
+          <a:prstGeom prst="rect">
+            <a:avLst/>
+          </a:prstGeom>
+        </p:spPr>
+        <p:txBody>
+          <a:bodyPr spcFirstLastPara="1" wrap="square" lIns="45700" tIns="45700" rIns="45700" bIns="45700" anchor="t" anchorCtr="0">
+            <a:noAutofit/>
+          </a:bodyPr>
+          <a:lstStyle/>
+          <a:p>
+            <a:pPr marL="457200" lvl="0" indent="-330200" algn="l" rtl="0">
+              <a:lnSpc>
+                <a:spcPct val="115000"/>
+              </a:lnSpc>
+              <a:spcBef>
+                <a:spcPts val="1200"/>
+              </a:spcBef>
+              <a:spcAft>
+                <a:spcPts val="0"/>
+              </a:spcAft>
+              <a:buClr>
+                <a:schemeClr val="dk1"/>
+              </a:buClr>
+              <a:buSzPts val="1600"/>
+              <a:buFont typeface="Arial"/>
+              <a:buChar char="•"/>
+            </a:pPr>
+            <a:r>
+              <a:rPr lang="en-US" sz="1600">
+                <a:solidFill>
+                  <a:schemeClr val="dk1"/>
+                </a:solidFill>
+                <a:latin typeface="Arial"/>
+                <a:ea typeface="Arial"/>
+                <a:cs typeface="Arial"/>
+                <a:sym typeface="Arial"/>
+              </a:rPr>
+              <a:t> Howard, A., Reid, J. E., Lopez, M., &amp; Cukierski, W. (2019). </a:t>
+            </a:r>
+            <a:r>
+              <a:rPr lang="en-US" sz="1600" i="1">
+                <a:solidFill>
+                  <a:schemeClr val="dk1"/>
+                </a:solidFill>
+                <a:latin typeface="Arial"/>
+                <a:ea typeface="Arial"/>
+                <a:cs typeface="Arial"/>
+                <a:sym typeface="Arial"/>
+              </a:rPr>
+              <a:t>NFL Big Data Bowl</a:t>
+            </a:r>
+            <a:r>
+              <a:rPr lang="en-US" sz="1600">
+                <a:solidFill>
+                  <a:schemeClr val="dk1"/>
+                </a:solidFill>
+                <a:latin typeface="Arial"/>
+                <a:ea typeface="Arial"/>
+                <a:cs typeface="Arial"/>
+                <a:sym typeface="Arial"/>
+              </a:rPr>
+              <a:t>. Kaggle. Retrieved April 20, 2023, from https://www.kaggle.com/c/nfl-big-data-bowl-2020/overview </a:t>
+            </a:r>
+            <a:endParaRPr sz="1900">
+              <a:solidFill>
+                <a:schemeClr val="dk1"/>
+              </a:solidFill>
+              <a:latin typeface="Arial"/>
+              <a:ea typeface="Arial"/>
+              <a:cs typeface="Arial"/>
+              <a:sym typeface="Arial"/>
+            </a:endParaRPr>
+          </a:p>
+          <a:p>
+            <a:pPr marL="457200" lvl="0" indent="-330200" algn="l" rtl="0">
+              <a:lnSpc>
+                <a:spcPct val="115000"/>
+              </a:lnSpc>
+              <a:spcBef>
+                <a:spcPts val="0"/>
+              </a:spcBef>
+              <a:spcAft>
+                <a:spcPts val="0"/>
+              </a:spcAft>
+              <a:buClr>
+                <a:schemeClr val="dk1"/>
+              </a:buClr>
+              <a:buSzPts val="1600"/>
+              <a:buFont typeface="Arial"/>
+              <a:buChar char="•"/>
+            </a:pPr>
+            <a:r>
+              <a:rPr lang="en-US" sz="1600">
+                <a:solidFill>
+                  <a:schemeClr val="dk1"/>
+                </a:solidFill>
+                <a:latin typeface="Arial"/>
+                <a:ea typeface="Arial"/>
+                <a:cs typeface="Arial"/>
+                <a:sym typeface="Arial"/>
+              </a:rPr>
+              <a:t>seanyman84. (2020, March 14). </a:t>
+            </a:r>
+            <a:r>
+              <a:rPr lang="en-US" sz="1600" i="1">
+                <a:solidFill>
+                  <a:schemeClr val="dk1"/>
+                </a:solidFill>
+                <a:latin typeface="Arial"/>
+                <a:ea typeface="Arial"/>
+                <a:cs typeface="Arial"/>
+                <a:sym typeface="Arial"/>
+              </a:rPr>
+              <a:t>NFL rush prediction</a:t>
+            </a:r>
+            <a:r>
+              <a:rPr lang="en-US" sz="1600">
+                <a:solidFill>
+                  <a:schemeClr val="dk1"/>
+                </a:solidFill>
+                <a:latin typeface="Arial"/>
+                <a:ea typeface="Arial"/>
+                <a:cs typeface="Arial"/>
+                <a:sym typeface="Arial"/>
+              </a:rPr>
+              <a:t>. Kaggle. Retrieved April 20, 2023, from https://www.kaggle.com/code/seanyman84/nfl-rush-prediction </a:t>
+            </a:r>
+            <a:endParaRPr sz="1600">
+              <a:solidFill>
+                <a:schemeClr val="dk1"/>
+              </a:solidFill>
+              <a:latin typeface="Arial"/>
+              <a:ea typeface="Arial"/>
+              <a:cs typeface="Arial"/>
+              <a:sym typeface="Arial"/>
+            </a:endParaRPr>
+          </a:p>
+          <a:p>
+            <a:pPr marL="0" lvl="0" indent="0" algn="l" rtl="0">
+              <a:spcBef>
+                <a:spcPts val="1200"/>
+              </a:spcBef>
+              <a:spcAft>
+                <a:spcPts val="0"/>
+              </a:spcAft>
+              <a:buNone/>
+            </a:pPr>
+            <a:endParaRPr sz="2000"/>
+          </a:p>
+        </p:txBody>
+      </p:sp>
+      <p:sp>
+        <p:nvSpPr>
+          <p:cNvPr id="317" name="Google Shape;317;p31"/>
+          <p:cNvSpPr txBox="1">
+            <a:spLocks noGrp="1"/>
+          </p:cNvSpPr>
+          <p:nvPr>
+            <p:ph type="sldNum" idx="12"/>
+          </p:nvPr>
+        </p:nvSpPr>
+        <p:spPr>
+          <a:xfrm>
+            <a:off x="10945368" y="457200"/>
+            <a:ext cx="987600" cy="274200"/>
+          </a:xfrm>
+          <a:prstGeom prst="rect">
+            <a:avLst/>
+          </a:prstGeom>
+        </p:spPr>
+        <p:txBody>
+          <a:bodyPr spcFirstLastPara="1" wrap="square" lIns="91425" tIns="45700" rIns="91425" bIns="45700" anchor="ctr" anchorCtr="0">
+            <a:noAutofit/>
+          </a:bodyPr>
+          <a:lstStyle/>
+          <a:p>
+            <a:pPr marL="0" lvl="0" indent="0" algn="ctr" rtl="0">
+              <a:spcBef>
+                <a:spcPts val="0"/>
+              </a:spcBef>
+              <a:spcAft>
+                <a:spcPts val="0"/>
+              </a:spcAft>
+              <a:buClr>
+                <a:srgbClr val="000000"/>
+              </a:buClr>
+              <a:buFont typeface="Arial"/>
+              <a:buNone/>
+            </a:pPr>
+            <a:fld id="{00000000-1234-1234-1234-123412341234}" type="slidenum">
+              <a:rPr lang="en-US"/>
+              <a:t>10</a:t>
+            </a:fld>
+            <a:endParaRPr/>
+          </a:p>
+        </p:txBody>
+      </p:sp>
+    </p:spTree>
+  </p:cSld>
+  <p:clrMapOvr>
+    <a:masterClrMapping/>
+  </p:clrMapOvr>
+</p:sld>
+</file>
+
 <file path=ppt/slides/slide2.xml><?xml version="1.0" encoding="utf-8"?>
 <p:sld xmlns:a="http://schemas.openxmlformats.org/drawingml/2006/main" xmlns:r="http://schemas.openxmlformats.org/officeDocument/2006/relationships" xmlns:p="http://schemas.openxmlformats.org/presentationml/2006/main">
   <p:cSld>
